--- a/Fixed Income-23.pptx
+++ b/Fixed Income-23.pptx
@@ -8910,7 +8910,7 @@
           <a:p>
             <a:fld id="{1EAE87C0-8280-45FA-80E7-8D3312DCDAEE}" type="datetimeFigureOut">
               <a:rPr lang="en-US" smtClean="0"/>
-              <a:t>2/22/2023</a:t>
+              <a:t>2/23/2023</a:t>
             </a:fld>
             <a:endParaRPr lang="en-US"/>
           </a:p>
@@ -9117,7 +9117,7 @@
           <a:p>
             <a:fld id="{1EAE87C0-8280-45FA-80E7-8D3312DCDAEE}" type="datetimeFigureOut">
               <a:rPr lang="en-US" smtClean="0"/>
-              <a:t>2/22/2023</a:t>
+              <a:t>2/23/2023</a:t>
             </a:fld>
             <a:endParaRPr lang="en-US"/>
           </a:p>
@@ -9297,7 +9297,7 @@
           <a:p>
             <a:fld id="{1EAE87C0-8280-45FA-80E7-8D3312DCDAEE}" type="datetimeFigureOut">
               <a:rPr lang="en-US" smtClean="0"/>
-              <a:t>2/22/2023</a:t>
+              <a:t>2/23/2023</a:t>
             </a:fld>
             <a:endParaRPr lang="en-US"/>
           </a:p>
@@ -9502,7 +9502,7 @@
           <a:p>
             <a:fld id="{1EAE87C0-8280-45FA-80E7-8D3312DCDAEE}" type="datetimeFigureOut">
               <a:rPr lang="en-US" smtClean="0"/>
-              <a:t>2/22/2023</a:t>
+              <a:t>2/23/2023</a:t>
             </a:fld>
             <a:endParaRPr lang="en-US"/>
           </a:p>
@@ -18400,7 +18400,7 @@
           <a:p>
             <a:fld id="{1EAE87C0-8280-45FA-80E7-8D3312DCDAEE}" type="datetimeFigureOut">
               <a:rPr lang="en-US" smtClean="0"/>
-              <a:t>2/22/2023</a:t>
+              <a:t>2/23/2023</a:t>
             </a:fld>
             <a:endParaRPr lang="en-US"/>
           </a:p>
@@ -18674,7 +18674,7 @@
           <a:p>
             <a:fld id="{1EAE87C0-8280-45FA-80E7-8D3312DCDAEE}" type="datetimeFigureOut">
               <a:rPr lang="en-US" smtClean="0"/>
-              <a:t>2/22/2023</a:t>
+              <a:t>2/23/2023</a:t>
             </a:fld>
             <a:endParaRPr lang="en-US"/>
           </a:p>
@@ -19072,7 +19072,7 @@
           <a:p>
             <a:fld id="{1EAE87C0-8280-45FA-80E7-8D3312DCDAEE}" type="datetimeFigureOut">
               <a:rPr lang="en-US" smtClean="0"/>
-              <a:t>2/22/2023</a:t>
+              <a:t>2/23/2023</a:t>
             </a:fld>
             <a:endParaRPr lang="en-US"/>
           </a:p>
@@ -19190,7 +19190,7 @@
           <a:p>
             <a:fld id="{1EAE87C0-8280-45FA-80E7-8D3312DCDAEE}" type="datetimeFigureOut">
               <a:rPr lang="en-US" smtClean="0"/>
-              <a:t>2/22/2023</a:t>
+              <a:t>2/23/2023</a:t>
             </a:fld>
             <a:endParaRPr lang="en-US"/>
           </a:p>
@@ -19285,7 +19285,7 @@
           <a:p>
             <a:fld id="{1EAE87C0-8280-45FA-80E7-8D3312DCDAEE}" type="datetimeFigureOut">
               <a:rPr lang="en-US" smtClean="0"/>
-              <a:t>2/22/2023</a:t>
+              <a:t>2/23/2023</a:t>
             </a:fld>
             <a:endParaRPr lang="en-US"/>
           </a:p>
@@ -19575,7 +19575,7 @@
           <a:p>
             <a:fld id="{1EAE87C0-8280-45FA-80E7-8D3312DCDAEE}" type="datetimeFigureOut">
               <a:rPr lang="en-US" smtClean="0"/>
-              <a:t>2/22/2023</a:t>
+              <a:t>2/23/2023</a:t>
             </a:fld>
             <a:endParaRPr lang="en-US"/>
           </a:p>
@@ -19855,7 +19855,7 @@
           <a:p>
             <a:fld id="{1EAE87C0-8280-45FA-80E7-8D3312DCDAEE}" type="datetimeFigureOut">
               <a:rPr lang="en-US" smtClean="0"/>
-              <a:t>2/22/2023</a:t>
+              <a:t>2/23/2023</a:t>
             </a:fld>
             <a:endParaRPr lang="en-US"/>
           </a:p>
@@ -20105,7 +20105,7 @@
           <a:p>
             <a:fld id="{1EAE87C0-8280-45FA-80E7-8D3312DCDAEE}" type="datetimeFigureOut">
               <a:rPr lang="en-US" smtClean="0"/>
-              <a:t>2/22/2023</a:t>
+              <a:t>2/23/2023</a:t>
             </a:fld>
             <a:endParaRPr lang="en-US"/>
           </a:p>
@@ -20800,7 +20800,7 @@
         <p:spPr/>
         <p:txBody>
           <a:bodyPr>
-            <a:normAutofit/>
+            <a:normAutofit fontScale="92500" lnSpcReduction="10000"/>
           </a:bodyPr>
           <a:lstStyle/>
           <a:p>
@@ -20810,12 +20810,22 @@
                   <a:srgbClr val="FF0000"/>
                 </a:solidFill>
               </a:rPr>
+              <a:t>Specification of mortgage loan</a:t>
+            </a:r>
+          </a:p>
+          <a:p>
+            <a:r>
+              <a:rPr lang="en-US" sz="2800" dirty="0">
+                <a:solidFill>
+                  <a:srgbClr val="FF0000"/>
+                </a:solidFill>
+              </a:rPr>
               <a:t>1.Maturity</a:t>
             </a:r>
           </a:p>
           <a:p>
             <a:r>
-              <a:rPr lang="en-US" sz="3200" b="1" dirty="0">
+              <a:rPr lang="en-US" sz="2800" dirty="0">
                 <a:solidFill>
                   <a:srgbClr val="FF0000"/>
                 </a:solidFill>
@@ -20829,7 +20839,7 @@
               <a:buChar char="Ø"/>
             </a:pPr>
             <a:r>
-              <a:rPr lang="en-US" dirty="0"/>
+              <a:rPr lang="en-US" sz="2400" dirty="0"/>
               <a:t>Fixed rate</a:t>
             </a:r>
           </a:p>
@@ -20839,7 +20849,7 @@
               <a:buChar char="Ø"/>
             </a:pPr>
             <a:r>
-              <a:rPr lang="en-US" dirty="0"/>
+              <a:rPr lang="en-US" sz="2400" dirty="0"/>
               <a:t>Adjustable or variable rate</a:t>
             </a:r>
           </a:p>
@@ -20849,7 +20859,7 @@
               <a:buChar char="Ø"/>
             </a:pPr>
             <a:r>
-              <a:rPr lang="en-US" dirty="0"/>
+              <a:rPr lang="en-US" sz="2400" dirty="0"/>
               <a:t>Initial period fixed rate</a:t>
             </a:r>
           </a:p>
@@ -20859,7 +20869,7 @@
               <a:buChar char="§"/>
             </a:pPr>
             <a:r>
-              <a:rPr lang="en-US" dirty="0"/>
+              <a:rPr lang="en-US" sz="2000" dirty="0"/>
               <a:t>Rollover or renegotiable mortgage</a:t>
             </a:r>
           </a:p>
@@ -20869,7 +20879,7 @@
               <a:buChar char="§"/>
             </a:pPr>
             <a:r>
-              <a:rPr lang="en-US" dirty="0"/>
+              <a:rPr lang="en-US" sz="2000" dirty="0"/>
               <a:t>Hybird mortgage</a:t>
             </a:r>
           </a:p>
@@ -20879,7 +20889,7 @@
               <a:buChar char="Ø"/>
             </a:pPr>
             <a:r>
-              <a:rPr lang="en-US" dirty="0"/>
+              <a:rPr lang="en-US" sz="2400" dirty="0"/>
               <a:t>Convertible</a:t>
             </a:r>
           </a:p>
@@ -20985,6 +20995,16 @@
                   <a:srgbClr val="FF0000"/>
                 </a:solidFill>
               </a:rPr>
+              <a:t>Specification of mortgage loan</a:t>
+            </a:r>
+          </a:p>
+          <a:p>
+            <a:r>
+              <a:rPr lang="en-US" sz="2800" dirty="0">
+                <a:solidFill>
+                  <a:srgbClr val="FF0000"/>
+                </a:solidFill>
+              </a:rPr>
               <a:t>3.Amortization schedule</a:t>
             </a:r>
           </a:p>
@@ -20994,7 +21014,7 @@
               <a:buChar char="Ø"/>
             </a:pPr>
             <a:r>
-              <a:rPr lang="en-US" sz="3200" b="1" dirty="0"/>
+              <a:rPr lang="en-US" sz="2400" dirty="0"/>
               <a:t>Full amortizing loan</a:t>
             </a:r>
           </a:p>
@@ -21004,7 +21024,7 @@
               <a:buChar char="Ø"/>
             </a:pPr>
             <a:r>
-              <a:rPr lang="en-US" sz="3200" b="1" dirty="0"/>
+              <a:rPr lang="en-US" sz="2400" dirty="0"/>
               <a:t>Partially amortizing loan</a:t>
             </a:r>
           </a:p>
@@ -21014,14 +21034,14 @@
               <a:buChar char="Ø"/>
             </a:pPr>
             <a:r>
-              <a:rPr lang="en-US" sz="3200" b="1" dirty="0"/>
+              <a:rPr lang="en-US" sz="2400" dirty="0"/>
               <a:t>Interest only mortgage</a:t>
             </a:r>
           </a:p>
           <a:p>
             <a:pPr lvl="2"/>
             <a:r>
-              <a:rPr lang="en-US" sz="2400" b="1" dirty="0"/>
+              <a:rPr lang="en-US" sz="2000" dirty="0"/>
               <a:t>Interest only lifetime mortgage(Bullet mortgage)</a:t>
             </a:r>
           </a:p>
@@ -21117,7 +21137,7 @@
             <p:ph idx="1"/>
             <p:extLst>
               <p:ext uri="{D42A27DB-BD31-4B8C-83A1-F6EECF244321}">
-                <p14:modId xmlns:p14="http://schemas.microsoft.com/office/powerpoint/2010/main" val="1183021248"/>
+                <p14:modId xmlns:p14="http://schemas.microsoft.com/office/powerpoint/2010/main" val="2813870470"/>
               </p:ext>
             </p:extLst>
           </p:nvPr>
@@ -21207,6 +21227,13 @@
                       </a:r>
                     </a:p>
                     <a:p>
+                      <a:r>
+                        <a:rPr lang="en-US" dirty="0">
+                          <a:latin typeface="Calibri" panose="020F0502020204030204" pitchFamily="34" charset="0"/>
+                          <a:cs typeface="Calibri" panose="020F0502020204030204" pitchFamily="34" charset="0"/>
+                        </a:rPr>
+                        <a:t>①</a:t>
+                      </a:r>
                       <a:endParaRPr lang="en-US" dirty="0"/>
                     </a:p>
                   </a:txBody>
@@ -21221,6 +21248,22 @@
                         <a:rPr lang="en-US" dirty="0"/>
                         <a:t>Mortgage payment</a:t>
                       </a:r>
+                    </a:p>
+                    <a:p>
+                      <a:endParaRPr lang="en-US" dirty="0"/>
+                    </a:p>
+                    <a:p>
+                      <a:endParaRPr lang="en-US" dirty="0"/>
+                    </a:p>
+                    <a:p>
+                      <a:r>
+                        <a:rPr lang="en-US" dirty="0">
+                          <a:latin typeface="Calibri" panose="020F0502020204030204" pitchFamily="34" charset="0"/>
+                          <a:cs typeface="Calibri" panose="020F0502020204030204" pitchFamily="34" charset="0"/>
+                        </a:rPr>
+                        <a:t>②</a:t>
+                      </a:r>
+                      <a:endParaRPr lang="en-US" dirty="0"/>
                     </a:p>
                   </a:txBody>
                   <a:tcPr/>
@@ -21238,8 +21281,41 @@
                     <a:p>
                       <a:r>
                         <a:rPr lang="en-US" dirty="0"/>
-                        <a:t>payment</a:t>
+                        <a:t>Payment</a:t>
                       </a:r>
+                    </a:p>
+                    <a:p>
+                      <a:endParaRPr lang="en-US" dirty="0"/>
+                    </a:p>
+                    <a:p>
+                      <a:endParaRPr lang="en-US" dirty="0"/>
+                    </a:p>
+                    <a:p>
+                      <a:pPr marL="0" marR="0" lvl="0" indent="0" algn="l" defTabSz="914400" rtl="0" eaLnBrk="1" fontAlgn="auto" latinLnBrk="0" hangingPunct="1">
+                        <a:lnSpc>
+                          <a:spcPct val="100000"/>
+                        </a:lnSpc>
+                        <a:spcBef>
+                          <a:spcPts val="0"/>
+                        </a:spcBef>
+                        <a:spcAft>
+                          <a:spcPts val="0"/>
+                        </a:spcAft>
+                        <a:buClrTx/>
+                        <a:buSzTx/>
+                        <a:buFontTx/>
+                        <a:buNone/>
+                        <a:tabLst/>
+                        <a:defRPr/>
+                      </a:pPr>
+                      <a:r>
+                        <a:rPr lang="en-US" dirty="0">
+                          <a:latin typeface="Calibri" panose="020F0502020204030204" pitchFamily="34" charset="0"/>
+                          <a:cs typeface="Calibri" panose="020F0502020204030204" pitchFamily="34" charset="0"/>
+                        </a:rPr>
+                        <a:t>③=①*3.6%/12</a:t>
+                      </a:r>
+                      <a:endParaRPr lang="en-US" dirty="0"/>
                     </a:p>
                   </a:txBody>
                   <a:tcPr/>
@@ -21257,8 +21333,41 @@
                     <a:p>
                       <a:r>
                         <a:rPr lang="en-US" dirty="0"/>
-                        <a:t>payment</a:t>
+                        <a:t>Payment</a:t>
                       </a:r>
+                    </a:p>
+                    <a:p>
+                      <a:endParaRPr lang="en-US" dirty="0"/>
+                    </a:p>
+                    <a:p>
+                      <a:endParaRPr lang="en-US" dirty="0"/>
+                    </a:p>
+                    <a:p>
+                      <a:pPr marL="0" marR="0" lvl="0" indent="0" algn="l" defTabSz="914400" rtl="0" eaLnBrk="1" fontAlgn="auto" latinLnBrk="0" hangingPunct="1">
+                        <a:lnSpc>
+                          <a:spcPct val="100000"/>
+                        </a:lnSpc>
+                        <a:spcBef>
+                          <a:spcPts val="0"/>
+                        </a:spcBef>
+                        <a:spcAft>
+                          <a:spcPts val="0"/>
+                        </a:spcAft>
+                        <a:buClrTx/>
+                        <a:buSzTx/>
+                        <a:buFontTx/>
+                        <a:buNone/>
+                        <a:tabLst/>
+                        <a:defRPr/>
+                      </a:pPr>
+                      <a:r>
+                        <a:rPr lang="en-US" dirty="0">
+                          <a:latin typeface="Calibri" panose="020F0502020204030204" pitchFamily="34" charset="0"/>
+                          <a:cs typeface="Calibri" panose="020F0502020204030204" pitchFamily="34" charset="0"/>
+                        </a:rPr>
+                        <a:t>④=②-③</a:t>
+                      </a:r>
+                      <a:endParaRPr lang="en-US" dirty="0"/>
                     </a:p>
                   </a:txBody>
                   <a:tcPr/>
@@ -21276,8 +21385,35 @@
                     <a:p>
                       <a:r>
                         <a:rPr lang="en-US" dirty="0"/>
-                        <a:t>balance</a:t>
+                        <a:t>Balance</a:t>
                       </a:r>
+                    </a:p>
+                    <a:p>
+                      <a:pPr marL="0" marR="0" lvl="0" indent="0" algn="l" defTabSz="914400" rtl="0" eaLnBrk="1" fontAlgn="auto" latinLnBrk="0" hangingPunct="1">
+                        <a:lnSpc>
+                          <a:spcPct val="100000"/>
+                        </a:lnSpc>
+                        <a:spcBef>
+                          <a:spcPts val="0"/>
+                        </a:spcBef>
+                        <a:spcAft>
+                          <a:spcPts val="0"/>
+                        </a:spcAft>
+                        <a:buClrTx/>
+                        <a:buSzTx/>
+                        <a:buFontTx/>
+                        <a:buNone/>
+                        <a:tabLst/>
+                        <a:defRPr/>
+                      </a:pPr>
+                      <a:r>
+                        <a:rPr lang="en-US" dirty="0">
+                          <a:latin typeface="Calibri" panose="020F0502020204030204" pitchFamily="34" charset="0"/>
+                          <a:cs typeface="Calibri" panose="020F0502020204030204" pitchFamily="34" charset="0"/>
+                        </a:rPr>
+                        <a:t>⑤=①-④</a:t>
+                      </a:r>
+                      <a:endParaRPr lang="en-US" dirty="0"/>
                     </a:p>
                   </a:txBody>
                   <a:tcPr/>
@@ -21918,12 +22054,22 @@
                   <a:srgbClr val="FF0000"/>
                 </a:solidFill>
               </a:rPr>
+              <a:t>Specification of mortgage loan</a:t>
+            </a:r>
+          </a:p>
+          <a:p>
+            <a:r>
+              <a:rPr lang="en-US" sz="2800" dirty="0">
+                <a:solidFill>
+                  <a:srgbClr val="FF0000"/>
+                </a:solidFill>
+              </a:rPr>
               <a:t>4. Prepayment options and prepayment penalties</a:t>
             </a:r>
           </a:p>
           <a:p>
             <a:r>
-              <a:rPr lang="en-US" sz="3200" b="1" dirty="0">
+              <a:rPr lang="en-US" sz="2800" dirty="0">
                 <a:solidFill>
                   <a:srgbClr val="FF0000"/>
                 </a:solidFill>
@@ -21952,15 +22098,15 @@
             </a:r>
           </a:p>
           <a:p>
-            <a:pPr lvl="1">
-              <a:buFont typeface="Wingdings" panose="05000000000000000000" pitchFamily="2" charset="2"/>
-              <a:buChar char="Ø"/>
+            <a:pPr marL="128016" lvl="1" indent="0">
+              <a:buNone/>
             </a:pPr>
             <a:endParaRPr lang="en-US" sz="2400" dirty="0"/>
           </a:p>
           <a:p>
-            <a:pPr marL="310896" lvl="2" indent="0">
-              <a:buNone/>
+            <a:pPr lvl="1">
+              <a:buFont typeface="Wingdings" panose="05000000000000000000" pitchFamily="2" charset="2"/>
+              <a:buChar char="Ø"/>
             </a:pPr>
             <a:r>
               <a:rPr lang="en-US" sz="2400" dirty="0"/>
@@ -21968,8 +22114,9 @@
             </a:r>
           </a:p>
           <a:p>
-            <a:pPr marL="310896" lvl="2" indent="0">
-              <a:buNone/>
+            <a:pPr lvl="1">
+              <a:buFont typeface="Wingdings" panose="05000000000000000000" pitchFamily="2" charset="2"/>
+              <a:buChar char="Ø"/>
             </a:pPr>
             <a:r>
               <a:rPr lang="en-US" sz="2400" dirty="0"/>
